--- a/121032_slajdy_pezentacie/prezentacia_Cernansky_mip.pptx
+++ b/121032_slajdy_pezentacie/prezentacia_Cernansky_mip.pptx
@@ -272,7 +272,7 @@
           <a:p>
             <a:fld id="{9D0D92BC-42A9-434B-8530-ADBF4485E407}" type="datetimeFigureOut">
               <a:rPr lang="en-US" smtClean="0"/>
-              <a:t>11/27/22</a:t>
+              <a:t>12/6/22</a:t>
             </a:fld>
             <a:endParaRPr lang="en-US"/>
           </a:p>
@@ -523,7 +523,7 @@
           <a:p>
             <a:fld id="{9D0D92BC-42A9-434B-8530-ADBF4485E407}" type="datetimeFigureOut">
               <a:rPr lang="en-US" smtClean="0"/>
-              <a:t>11/27/22</a:t>
+              <a:t>12/6/22</a:t>
             </a:fld>
             <a:endParaRPr lang="en-US"/>
           </a:p>
@@ -731,7 +731,7 @@
           <a:p>
             <a:fld id="{9D0D92BC-42A9-434B-8530-ADBF4485E407}" type="datetimeFigureOut">
               <a:rPr lang="en-US" smtClean="0"/>
-              <a:t>11/27/22</a:t>
+              <a:t>12/6/22</a:t>
             </a:fld>
             <a:endParaRPr lang="en-US"/>
           </a:p>
@@ -929,7 +929,7 @@
           <a:p>
             <a:fld id="{9D0D92BC-42A9-434B-8530-ADBF4485E407}" type="datetimeFigureOut">
               <a:rPr lang="en-US" smtClean="0"/>
-              <a:t>11/27/22</a:t>
+              <a:t>12/6/22</a:t>
             </a:fld>
             <a:endParaRPr lang="en-US"/>
           </a:p>
@@ -1209,7 +1209,7 @@
           <a:p>
             <a:fld id="{9D0D92BC-42A9-434B-8530-ADBF4485E407}" type="datetimeFigureOut">
               <a:rPr lang="en-US" smtClean="0"/>
-              <a:t>11/27/22</a:t>
+              <a:t>12/6/22</a:t>
             </a:fld>
             <a:endParaRPr lang="en-US"/>
           </a:p>
@@ -1517,7 +1517,7 @@
           <a:p>
             <a:fld id="{9D0D92BC-42A9-434B-8530-ADBF4485E407}" type="datetimeFigureOut">
               <a:rPr lang="en-US" smtClean="0"/>
-              <a:t>11/27/22</a:t>
+              <a:t>12/6/22</a:t>
             </a:fld>
             <a:endParaRPr lang="en-US"/>
           </a:p>
@@ -1937,7 +1937,7 @@
           <a:p>
             <a:fld id="{9D0D92BC-42A9-434B-8530-ADBF4485E407}" type="datetimeFigureOut">
               <a:rPr lang="en-US" smtClean="0"/>
-              <a:t>11/27/22</a:t>
+              <a:t>12/6/22</a:t>
             </a:fld>
             <a:endParaRPr lang="en-US"/>
           </a:p>
@@ -2169,7 +2169,7 @@
           <a:p>
             <a:fld id="{9D0D92BC-42A9-434B-8530-ADBF4485E407}" type="datetimeFigureOut">
               <a:rPr lang="en-US" smtClean="0"/>
-              <a:t>11/27/22</a:t>
+              <a:t>12/6/22</a:t>
             </a:fld>
             <a:endParaRPr lang="en-US"/>
           </a:p>
@@ -2282,7 +2282,7 @@
           <a:p>
             <a:fld id="{9D0D92BC-42A9-434B-8530-ADBF4485E407}" type="datetimeFigureOut">
               <a:rPr lang="en-US" smtClean="0"/>
-              <a:t>11/27/22</a:t>
+              <a:t>12/6/22</a:t>
             </a:fld>
             <a:endParaRPr lang="en-US"/>
           </a:p>
@@ -2599,7 +2599,7 @@
           <a:p>
             <a:fld id="{9D0D92BC-42A9-434B-8530-ADBF4485E407}" type="datetimeFigureOut">
               <a:rPr lang="en-US" smtClean="0"/>
-              <a:t>11/27/22</a:t>
+              <a:t>12/6/22</a:t>
             </a:fld>
             <a:endParaRPr lang="en-US"/>
           </a:p>
@@ -2891,7 +2891,7 @@
           <a:p>
             <a:fld id="{9D0D92BC-42A9-434B-8530-ADBF4485E407}" type="datetimeFigureOut">
               <a:rPr lang="en-US" smtClean="0"/>
-              <a:t>11/27/22</a:t>
+              <a:t>12/6/22</a:t>
             </a:fld>
             <a:endParaRPr lang="en-US"/>
           </a:p>
@@ -3198,7 +3198,7 @@
             <a:fld id="{9D0D92BC-42A9-434B-8530-ADBF4485E407}" type="datetimeFigureOut">
               <a:rPr lang="en-US" smtClean="0"/>
               <a:pPr/>
-              <a:t>11/27/22</a:t>
+              <a:t>12/6/22</a:t>
             </a:fld>
             <a:endParaRPr lang="en-US" dirty="0"/>
           </a:p>
@@ -3642,7 +3642,7 @@
         </p:blipFill>
         <p:spPr>
           <a:xfrm>
-            <a:off x="0" y="308929"/>
+            <a:off x="0" y="10"/>
             <a:ext cx="4637226" cy="6857990"/>
           </a:xfrm>
           <a:prstGeom prst="rect">
